--- a/Unit 2 Electricity and Magnetism/Day 09 Electric Power/Power in Electric Circuits.pptx
+++ b/Unit 2 Electricity and Magnetism/Day 09 Electric Power/Power in Electric Circuits.pptx
@@ -320,7 +320,7 @@
             <a:fld id="{8C57AD6A-D407-4CDE-B3EC-37602CCFC8FD}" type="datetimeFigureOut">
               <a:rPr lang="en-US" smtClean="0"/>
               <a:pPr/>
-              <a:t>10/9/2018</a:t>
+              <a:t>2/28/2020</a:t>
             </a:fld>
             <a:endParaRPr lang="en-US"/>
           </a:p>
@@ -487,7 +487,7 @@
             <a:fld id="{8C57AD6A-D407-4CDE-B3EC-37602CCFC8FD}" type="datetimeFigureOut">
               <a:rPr lang="en-US" smtClean="0"/>
               <a:pPr/>
-              <a:t>10/9/2018</a:t>
+              <a:t>2/28/2020</a:t>
             </a:fld>
             <a:endParaRPr lang="en-US"/>
           </a:p>
@@ -664,7 +664,7 @@
             <a:fld id="{8C57AD6A-D407-4CDE-B3EC-37602CCFC8FD}" type="datetimeFigureOut">
               <a:rPr lang="en-US" smtClean="0"/>
               <a:pPr/>
-              <a:t>10/9/2018</a:t>
+              <a:t>2/28/2020</a:t>
             </a:fld>
             <a:endParaRPr lang="en-US"/>
           </a:p>
@@ -831,7 +831,7 @@
             <a:fld id="{8C57AD6A-D407-4CDE-B3EC-37602CCFC8FD}" type="datetimeFigureOut">
               <a:rPr lang="en-US" smtClean="0"/>
               <a:pPr/>
-              <a:t>10/9/2018</a:t>
+              <a:t>2/28/2020</a:t>
             </a:fld>
             <a:endParaRPr lang="en-US"/>
           </a:p>
@@ -1074,7 +1074,7 @@
             <a:fld id="{8C57AD6A-D407-4CDE-B3EC-37602CCFC8FD}" type="datetimeFigureOut">
               <a:rPr lang="en-US" smtClean="0"/>
               <a:pPr/>
-              <a:t>10/9/2018</a:t>
+              <a:t>2/28/2020</a:t>
             </a:fld>
             <a:endParaRPr lang="en-US"/>
           </a:p>
@@ -1359,7 +1359,7 @@
             <a:fld id="{8C57AD6A-D407-4CDE-B3EC-37602CCFC8FD}" type="datetimeFigureOut">
               <a:rPr lang="en-US" smtClean="0"/>
               <a:pPr/>
-              <a:t>10/9/2018</a:t>
+              <a:t>2/28/2020</a:t>
             </a:fld>
             <a:endParaRPr lang="en-US"/>
           </a:p>
@@ -1778,7 +1778,7 @@
             <a:fld id="{8C57AD6A-D407-4CDE-B3EC-37602CCFC8FD}" type="datetimeFigureOut">
               <a:rPr lang="en-US" smtClean="0"/>
               <a:pPr/>
-              <a:t>10/9/2018</a:t>
+              <a:t>2/28/2020</a:t>
             </a:fld>
             <a:endParaRPr lang="en-US"/>
           </a:p>
@@ -1893,7 +1893,7 @@
             <a:fld id="{8C57AD6A-D407-4CDE-B3EC-37602CCFC8FD}" type="datetimeFigureOut">
               <a:rPr lang="en-US" smtClean="0"/>
               <a:pPr/>
-              <a:t>10/9/2018</a:t>
+              <a:t>2/28/2020</a:t>
             </a:fld>
             <a:endParaRPr lang="en-US"/>
           </a:p>
@@ -1985,7 +1985,7 @@
             <a:fld id="{8C57AD6A-D407-4CDE-B3EC-37602CCFC8FD}" type="datetimeFigureOut">
               <a:rPr lang="en-US" smtClean="0"/>
               <a:pPr/>
-              <a:t>10/9/2018</a:t>
+              <a:t>2/28/2020</a:t>
             </a:fld>
             <a:endParaRPr lang="en-US"/>
           </a:p>
@@ -2294,7 +2294,7 @@
             <a:fld id="{8C57AD6A-D407-4CDE-B3EC-37602CCFC8FD}" type="datetimeFigureOut">
               <a:rPr lang="en-US" smtClean="0"/>
               <a:pPr/>
-              <a:t>10/9/2018</a:t>
+              <a:t>2/28/2020</a:t>
             </a:fld>
             <a:endParaRPr lang="en-US"/>
           </a:p>
@@ -2544,7 +2544,7 @@
             <a:fld id="{8C57AD6A-D407-4CDE-B3EC-37602CCFC8FD}" type="datetimeFigureOut">
               <a:rPr lang="en-US" smtClean="0"/>
               <a:pPr/>
-              <a:t>10/9/2018</a:t>
+              <a:t>2/28/2020</a:t>
             </a:fld>
             <a:endParaRPr lang="en-US"/>
           </a:p>
@@ -2754,7 +2754,7 @@
             <a:fld id="{8C57AD6A-D407-4CDE-B3EC-37602CCFC8FD}" type="datetimeFigureOut">
               <a:rPr lang="en-US" smtClean="0"/>
               <a:pPr/>
-              <a:t>10/9/2018</a:t>
+              <a:t>2/28/2020</a:t>
             </a:fld>
             <a:endParaRPr lang="en-US"/>
           </a:p>
@@ -4422,6 +4422,13 @@
   <p:clrMapOvr>
     <a:masterClrMapping/>
   </p:clrMapOvr>
+  <p:timing>
+    <p:tnLst>
+      <p:par>
+        <p:cTn id="1" dur="indefinite" restart="never" nodeType="tmRoot"/>
+      </p:par>
+    </p:tnLst>
+  </p:timing>
 </p:sld>
 </file>
 
@@ -4495,7 +4502,15 @@
             </a:pPr>
             <a:r>
               <a:rPr lang="en-CA" dirty="0" smtClean="0"/>
-              <a:t>The current through a resistor is 0.1 A and the voltage drop across the same resistor is 1.5 V. What is the power dissipated by the resistor?</a:t>
+              <a:t>The current through a resistor is </a:t>
+            </a:r>
+            <a:r>
+              <a:rPr lang="en-CA" dirty="0" smtClean="0"/>
+              <a:t>0.10 </a:t>
+            </a:r>
+            <a:r>
+              <a:rPr lang="en-CA" dirty="0" smtClean="0"/>
+              <a:t>A and the voltage drop across the same resistor is 1.5 V. What is the power dissipated by the resistor?</a:t>
             </a:r>
           </a:p>
           <a:p>
@@ -4512,7 +4527,19 @@
             </a:pPr>
             <a:r>
               <a:rPr lang="en-CA" dirty="0" smtClean="0"/>
-              <a:t>Standard household electricity is 110 V.  What is the current drawn by a 60 W light bulb?</a:t>
+              <a:t>Standard household electricity is 110 V.  What is the current drawn by </a:t>
+            </a:r>
+            <a:r>
+              <a:rPr lang="en-CA" smtClean="0"/>
+              <a:t>a </a:t>
+            </a:r>
+            <a:r>
+              <a:rPr lang="en-CA" smtClean="0"/>
+              <a:t>60.0 </a:t>
+            </a:r>
+            <a:r>
+              <a:rPr lang="en-CA" dirty="0" smtClean="0"/>
+              <a:t>W light bulb?</a:t>
             </a:r>
           </a:p>
           <a:p>
@@ -4530,6 +4557,13 @@
   <p:clrMapOvr>
     <a:masterClrMapping/>
   </p:clrMapOvr>
+  <p:timing>
+    <p:tnLst>
+      <p:par>
+        <p:cTn id="1" dur="indefinite" restart="never" nodeType="tmRoot"/>
+      </p:par>
+    </p:tnLst>
+  </p:timing>
 </p:sld>
 </file>
 
@@ -4681,6 +4715,13 @@
   <p:clrMapOvr>
     <a:masterClrMapping/>
   </p:clrMapOvr>
+  <p:timing>
+    <p:tnLst>
+      <p:par>
+        <p:cTn id="1" dur="indefinite" restart="never" nodeType="tmRoot"/>
+      </p:par>
+    </p:tnLst>
+  </p:timing>
 </p:sld>
 </file>
 
@@ -5949,18 +5990,18 @@
 </file>
 
 <file path=customXml/item1.xml><?xml version="1.0" encoding="utf-8"?>
-<p:properties xmlns:p="http://schemas.microsoft.com/office/2006/metadata/properties" xmlns:xsi="http://www.w3.org/2001/XMLSchema-instance">
-  <documentManagement/>
-</p:properties>
-</file>
-
-<file path=customXml/item2.xml><?xml version="1.0" encoding="utf-8"?>
 <?mso-contentType ?>
 <FormTemplates xmlns="http://schemas.microsoft.com/sharepoint/v3/contenttype/forms">
   <Display>DocumentLibraryForm</Display>
   <Edit>DocumentLibraryForm</Edit>
   <New>DocumentLibraryForm</New>
 </FormTemplates>
+</file>
+
+<file path=customXml/item2.xml><?xml version="1.0" encoding="utf-8"?>
+<p:properties xmlns:p="http://schemas.microsoft.com/office/2006/metadata/properties" xmlns:xsi="http://www.w3.org/2001/XMLSchema-instance">
+  <documentManagement/>
+</p:properties>
 </file>
 
 <file path=customXml/item3.xml><?xml version="1.0" encoding="utf-8"?>
@@ -6013,6 +6054,14 @@
 </file>
 
 <file path=customXml/itemProps1.xml><?xml version="1.0" encoding="utf-8"?>
+<ds:datastoreItem xmlns:ds="http://schemas.openxmlformats.org/officeDocument/2006/customXml" ds:itemID="{5CE60936-B43C-4BC3-92DA-09849BD512F6}">
+  <ds:schemaRefs>
+    <ds:schemaRef ds:uri="http://schemas.microsoft.com/sharepoint/v3/contenttype/forms"/>
+  </ds:schemaRefs>
+</ds:datastoreItem>
+</file>
+
+<file path=customXml/itemProps2.xml><?xml version="1.0" encoding="utf-8"?>
 <ds:datastoreItem xmlns:ds="http://schemas.openxmlformats.org/officeDocument/2006/customXml" ds:itemID="{3C9C3181-F29F-417C-AFA0-2C08CC494EA2}">
   <ds:schemaRefs>
     <ds:schemaRef ds:uri="http://schemas.microsoft.com/office/2006/metadata/properties"/>
@@ -6022,14 +6071,6 @@
     <ds:schemaRef ds:uri="http://purl.org/dc/elements/1.1/"/>
     <ds:schemaRef ds:uri="http://schemas.openxmlformats.org/package/2006/metadata/core-properties"/>
     <ds:schemaRef ds:uri="http://purl.org/dc/dcmitype/"/>
-  </ds:schemaRefs>
-</ds:datastoreItem>
-</file>
-
-<file path=customXml/itemProps2.xml><?xml version="1.0" encoding="utf-8"?>
-<ds:datastoreItem xmlns:ds="http://schemas.openxmlformats.org/officeDocument/2006/customXml" ds:itemID="{5CE60936-B43C-4BC3-92DA-09849BD512F6}">
-  <ds:schemaRefs>
-    <ds:schemaRef ds:uri="http://schemas.microsoft.com/sharepoint/v3/contenttype/forms"/>
   </ds:schemaRefs>
 </ds:datastoreItem>
 </file>
